--- a/guide/tutorial-topo.pptx
+++ b/guide/tutorial-topo.pptx
@@ -288,7 +288,7 @@
           <a:p>
             <a:fld id="{C8C169D1-5F4C-D141-9428-E77DD167E886}" type="datetimeFigureOut">
               <a:rPr lang="en-US" smtClean="0"/>
-              <a:t>5/29/13</a:t>
+              <a:t>5/31/13</a:t>
             </a:fld>
             <a:endParaRPr lang="en-US"/>
           </a:p>
@@ -458,7 +458,7 @@
           <a:p>
             <a:fld id="{C8C169D1-5F4C-D141-9428-E77DD167E886}" type="datetimeFigureOut">
               <a:rPr lang="en-US" smtClean="0"/>
-              <a:t>5/29/13</a:t>
+              <a:t>5/31/13</a:t>
             </a:fld>
             <a:endParaRPr lang="en-US"/>
           </a:p>
@@ -638,7 +638,7 @@
           <a:p>
             <a:fld id="{C8C169D1-5F4C-D141-9428-E77DD167E886}" type="datetimeFigureOut">
               <a:rPr lang="en-US" smtClean="0"/>
-              <a:t>5/29/13</a:t>
+              <a:t>5/31/13</a:t>
             </a:fld>
             <a:endParaRPr lang="en-US"/>
           </a:p>
@@ -808,7 +808,7 @@
           <a:p>
             <a:fld id="{C8C169D1-5F4C-D141-9428-E77DD167E886}" type="datetimeFigureOut">
               <a:rPr lang="en-US" smtClean="0"/>
-              <a:t>5/29/13</a:t>
+              <a:t>5/31/13</a:t>
             </a:fld>
             <a:endParaRPr lang="en-US"/>
           </a:p>
@@ -1054,7 +1054,7 @@
           <a:p>
             <a:fld id="{C8C169D1-5F4C-D141-9428-E77DD167E886}" type="datetimeFigureOut">
               <a:rPr lang="en-US" smtClean="0"/>
-              <a:t>5/29/13</a:t>
+              <a:t>5/31/13</a:t>
             </a:fld>
             <a:endParaRPr lang="en-US"/>
           </a:p>
@@ -1342,7 +1342,7 @@
           <a:p>
             <a:fld id="{C8C169D1-5F4C-D141-9428-E77DD167E886}" type="datetimeFigureOut">
               <a:rPr lang="en-US" smtClean="0"/>
-              <a:t>5/29/13</a:t>
+              <a:t>5/31/13</a:t>
             </a:fld>
             <a:endParaRPr lang="en-US"/>
           </a:p>
@@ -1764,7 +1764,7 @@
           <a:p>
             <a:fld id="{C8C169D1-5F4C-D141-9428-E77DD167E886}" type="datetimeFigureOut">
               <a:rPr lang="en-US" smtClean="0"/>
-              <a:t>5/29/13</a:t>
+              <a:t>5/31/13</a:t>
             </a:fld>
             <a:endParaRPr lang="en-US"/>
           </a:p>
@@ -1882,7 +1882,7 @@
           <a:p>
             <a:fld id="{C8C169D1-5F4C-D141-9428-E77DD167E886}" type="datetimeFigureOut">
               <a:rPr lang="en-US" smtClean="0"/>
-              <a:t>5/29/13</a:t>
+              <a:t>5/31/13</a:t>
             </a:fld>
             <a:endParaRPr lang="en-US"/>
           </a:p>
@@ -1977,7 +1977,7 @@
           <a:p>
             <a:fld id="{C8C169D1-5F4C-D141-9428-E77DD167E886}" type="datetimeFigureOut">
               <a:rPr lang="en-US" smtClean="0"/>
-              <a:t>5/29/13</a:t>
+              <a:t>5/31/13</a:t>
             </a:fld>
             <a:endParaRPr lang="en-US"/>
           </a:p>
@@ -2254,7 +2254,7 @@
           <a:p>
             <a:fld id="{C8C169D1-5F4C-D141-9428-E77DD167E886}" type="datetimeFigureOut">
               <a:rPr lang="en-US" smtClean="0"/>
-              <a:t>5/29/13</a:t>
+              <a:t>5/31/13</a:t>
             </a:fld>
             <a:endParaRPr lang="en-US"/>
           </a:p>
@@ -2507,7 +2507,7 @@
           <a:p>
             <a:fld id="{C8C169D1-5F4C-D141-9428-E77DD167E886}" type="datetimeFigureOut">
               <a:rPr lang="en-US" smtClean="0"/>
-              <a:t>5/29/13</a:t>
+              <a:t>5/31/13</a:t>
             </a:fld>
             <a:endParaRPr lang="en-US"/>
           </a:p>
@@ -2720,7 +2720,7 @@
           <a:p>
             <a:fld id="{C8C169D1-5F4C-D141-9428-E77DD167E886}" type="datetimeFigureOut">
               <a:rPr lang="en-US" smtClean="0"/>
-              <a:t>5/29/13</a:t>
+              <a:t>5/31/13</a:t>
             </a:fld>
             <a:endParaRPr lang="en-US"/>
           </a:p>
@@ -3131,7 +3131,7 @@
             <a:pPr algn="ctr"/>
             <a:r>
               <a:rPr lang="en-US" dirty="0" smtClean="0"/>
-              <a:t>101</a:t>
+              <a:t>A=101</a:t>
             </a:r>
             <a:endParaRPr lang="en-US" dirty="0"/>
           </a:p>
@@ -3173,7 +3173,7 @@
             <a:pPr algn="ctr"/>
             <a:r>
               <a:rPr lang="en-US" dirty="0" smtClean="0"/>
-              <a:t>102</a:t>
+              <a:t>B=102</a:t>
             </a:r>
             <a:endParaRPr lang="en-US" dirty="0"/>
           </a:p>
@@ -3215,7 +3215,7 @@
             <a:pPr algn="ctr"/>
             <a:r>
               <a:rPr lang="en-US" dirty="0" smtClean="0"/>
-              <a:t>103</a:t>
+              <a:t>C=103</a:t>
             </a:r>
             <a:endParaRPr lang="en-US" dirty="0"/>
           </a:p>
@@ -3257,7 +3257,7 @@
             <a:pPr algn="ctr"/>
             <a:r>
               <a:rPr lang="en-US" dirty="0" smtClean="0"/>
-              <a:t>104</a:t>
+              <a:t>D=104</a:t>
             </a:r>
             <a:endParaRPr lang="en-US" dirty="0"/>
           </a:p>
@@ -3363,38 +3363,6 @@
       </p:cxnSp>
       <p:cxnSp>
         <p:nvCxnSpPr>
-          <p:cNvPr id="16" name="Straight Connector 15"/>
-          <p:cNvCxnSpPr>
-            <a:stCxn id="7" idx="0"/>
-          </p:cNvCxnSpPr>
-          <p:nvPr/>
-        </p:nvCxnSpPr>
-        <p:spPr>
-          <a:xfrm flipV="1">
-            <a:off x="6017489" y="2320635"/>
-            <a:ext cx="0" cy="2209798"/>
-          </a:xfrm>
-          <a:prstGeom prst="line">
-            <a:avLst/>
-          </a:prstGeom>
-        </p:spPr>
-        <p:style>
-          <a:lnRef idx="2">
-            <a:schemeClr val="accent1"/>
-          </a:lnRef>
-          <a:fillRef idx="0">
-            <a:schemeClr val="accent1"/>
-          </a:fillRef>
-          <a:effectRef idx="1">
-            <a:schemeClr val="accent1"/>
-          </a:effectRef>
-          <a:fontRef idx="minor">
-            <a:schemeClr val="tx1"/>
-          </a:fontRef>
-        </p:style>
-      </p:cxnSp>
-      <p:cxnSp>
-        <p:nvCxnSpPr>
           <p:cNvPr id="20" name="Straight Connector 19"/>
           <p:cNvCxnSpPr>
             <a:stCxn id="6" idx="3"/>
@@ -3670,13 +3638,13 @@
       </p:sp>
       <p:sp>
         <p:nvSpPr>
-          <p:cNvPr id="49" name="TextBox 48"/>
+          <p:cNvPr id="50" name="TextBox 49"/>
           <p:cNvSpPr txBox="1"/>
           <p:nvPr/>
         </p:nvSpPr>
         <p:spPr>
           <a:xfrm>
-            <a:off x="5715829" y="4161101"/>
+            <a:off x="3006436" y="3313543"/>
             <a:ext cx="301660" cy="369332"/>
           </a:xfrm>
           <a:prstGeom prst="rect">
@@ -3691,21 +3659,22 @@
           <a:lstStyle/>
           <a:p>
             <a:r>
-              <a:rPr lang="en-US" dirty="0"/>
-              <a:t>2</a:t>
-            </a:r>
-          </a:p>
-        </p:txBody>
-      </p:sp>
-      <p:sp>
-        <p:nvSpPr>
-          <p:cNvPr id="50" name="TextBox 49"/>
+              <a:rPr lang="en-US" dirty="0" smtClean="0"/>
+              <a:t>1</a:t>
+            </a:r>
+            <a:endParaRPr lang="en-US" dirty="0"/>
+          </a:p>
+        </p:txBody>
+      </p:sp>
+      <p:sp>
+        <p:nvSpPr>
+          <p:cNvPr id="51" name="TextBox 50"/>
           <p:cNvSpPr txBox="1"/>
           <p:nvPr/>
         </p:nvSpPr>
         <p:spPr>
           <a:xfrm>
-            <a:off x="3006436" y="3313543"/>
+            <a:off x="5152412" y="1708787"/>
             <a:ext cx="301660" cy="369332"/>
           </a:xfrm>
           <a:prstGeom prst="rect">
@@ -3729,13 +3698,13 @@
       </p:sp>
       <p:sp>
         <p:nvSpPr>
-          <p:cNvPr id="51" name="TextBox 50"/>
+          <p:cNvPr id="52" name="TextBox 51"/>
           <p:cNvSpPr txBox="1"/>
           <p:nvPr/>
         </p:nvSpPr>
         <p:spPr>
           <a:xfrm>
-            <a:off x="5152412" y="1708787"/>
+            <a:off x="5152412" y="4957554"/>
             <a:ext cx="301660" cy="369332"/>
           </a:xfrm>
           <a:prstGeom prst="rect">
@@ -3759,13 +3728,13 @@
       </p:sp>
       <p:sp>
         <p:nvSpPr>
-          <p:cNvPr id="52" name="TextBox 51"/>
+          <p:cNvPr id="53" name="TextBox 52"/>
           <p:cNvSpPr txBox="1"/>
           <p:nvPr/>
         </p:nvSpPr>
         <p:spPr>
           <a:xfrm>
-            <a:off x="5152412" y="4957554"/>
+            <a:off x="6548580" y="1558633"/>
             <a:ext cx="301660" cy="369332"/>
           </a:xfrm>
           <a:prstGeom prst="rect">
@@ -3781,7 +3750,7 @@
           <a:p>
             <a:r>
               <a:rPr lang="en-US" dirty="0" smtClean="0"/>
-              <a:t>1</a:t>
+              <a:t>3</a:t>
             </a:r>
             <a:endParaRPr lang="en-US" dirty="0"/>
           </a:p>
@@ -3789,13 +3758,13 @@
       </p:sp>
       <p:sp>
         <p:nvSpPr>
-          <p:cNvPr id="53" name="TextBox 52"/>
+          <p:cNvPr id="54" name="TextBox 53"/>
           <p:cNvSpPr txBox="1"/>
           <p:nvPr/>
         </p:nvSpPr>
         <p:spPr>
           <a:xfrm>
-            <a:off x="6548580" y="1558633"/>
+            <a:off x="6548580" y="4588283"/>
             <a:ext cx="301660" cy="369332"/>
           </a:xfrm>
           <a:prstGeom prst="rect">
@@ -3810,8 +3779,8 @@
           <a:lstStyle/>
           <a:p>
             <a:r>
-              <a:rPr lang="en-US" dirty="0" smtClean="0"/>
-              <a:t>3</a:t>
+              <a:rPr lang="en-US" dirty="0"/>
+              <a:t>2</a:t>
             </a:r>
             <a:endParaRPr lang="en-US" dirty="0"/>
           </a:p>
@@ -3819,13 +3788,13 @@
       </p:sp>
       <p:sp>
         <p:nvSpPr>
-          <p:cNvPr id="54" name="TextBox 53"/>
+          <p:cNvPr id="55" name="TextBox 54"/>
           <p:cNvSpPr txBox="1"/>
           <p:nvPr/>
         </p:nvSpPr>
         <p:spPr>
           <a:xfrm>
-            <a:off x="6548580" y="4588283"/>
+            <a:off x="5715829" y="5447080"/>
             <a:ext cx="301660" cy="369332"/>
           </a:xfrm>
           <a:prstGeom prst="rect">
@@ -3840,68 +3809,8 @@
           <a:lstStyle/>
           <a:p>
             <a:r>
-              <a:rPr lang="en-US" dirty="0" smtClean="0"/>
+              <a:rPr lang="en-US" dirty="0"/>
               <a:t>3</a:t>
-            </a:r>
-            <a:endParaRPr lang="en-US" dirty="0"/>
-          </a:p>
-        </p:txBody>
-      </p:sp>
-      <p:sp>
-        <p:nvSpPr>
-          <p:cNvPr id="55" name="TextBox 54"/>
-          <p:cNvSpPr txBox="1"/>
-          <p:nvPr/>
-        </p:nvSpPr>
-        <p:spPr>
-          <a:xfrm>
-            <a:off x="5715829" y="5447080"/>
-            <a:ext cx="301660" cy="369332"/>
-          </a:xfrm>
-          <a:prstGeom prst="rect">
-            <a:avLst/>
-          </a:prstGeom>
-          <a:noFill/>
-        </p:spPr>
-        <p:txBody>
-          <a:bodyPr wrap="none" rtlCol="0">
-            <a:spAutoFit/>
-          </a:bodyPr>
-          <a:lstStyle/>
-          <a:p>
-            <a:r>
-              <a:rPr lang="en-US" dirty="0" smtClean="0"/>
-              <a:t>4</a:t>
-            </a:r>
-            <a:endParaRPr lang="en-US" dirty="0"/>
-          </a:p>
-        </p:txBody>
-      </p:sp>
-      <p:sp>
-        <p:nvSpPr>
-          <p:cNvPr id="56" name="TextBox 55"/>
-          <p:cNvSpPr txBox="1"/>
-          <p:nvPr/>
-        </p:nvSpPr>
-        <p:spPr>
-          <a:xfrm>
-            <a:off x="5715829" y="2334300"/>
-            <a:ext cx="301660" cy="369332"/>
-          </a:xfrm>
-          <a:prstGeom prst="rect">
-            <a:avLst/>
-          </a:prstGeom>
-          <a:noFill/>
-        </p:spPr>
-        <p:txBody>
-          <a:bodyPr wrap="none" rtlCol="0">
-            <a:spAutoFit/>
-          </a:bodyPr>
-          <a:lstStyle/>
-          <a:p>
-            <a:r>
-              <a:rPr lang="en-US" dirty="0" smtClean="0"/>
-              <a:t>4</a:t>
             </a:r>
             <a:endParaRPr lang="en-US" dirty="0"/>
           </a:p>
